--- a/Slides/2. draft-xxx-device-models.pptx
+++ b/Slides/2. draft-xxx-device-models.pptx
@@ -3673,15 +3673,16 @@
           <a:p>
             <a:r>
               <a:rPr lang="en-GB" dirty="0"/>
-              <a:t>There is value in the management and configuration of </a:t>
-            </a:r>
-            <a:r>
-              <a:rPr lang="en-GB"/>
-              <a:t>network elements network </a:t>
-            </a:r>
+              <a:t>There is value in the management and configuration of network elements network-wide.</a:t>
+            </a:r>
+          </a:p>
+          <a:p>
+            <a:endParaRPr lang="en-GB" dirty="0"/>
+          </a:p>
+          <a:p>
             <a:r>
               <a:rPr lang="en-GB" dirty="0"/>
-              <a:t>wide.</a:t>
+              <a:t>There are several organizations that can access the device models and they are reusable since the device configuration does not change.</a:t>
             </a:r>
           </a:p>
           <a:p>
@@ -3690,16 +3691,7 @@
           <a:p>
             <a:r>
               <a:rPr lang="en-GB" dirty="0"/>
-              <a:t>There are several organization that can access to the device models and they are reusable since the device configuration does not change.</a:t>
-            </a:r>
-          </a:p>
-          <a:p>
-            <a:endParaRPr lang="en-GB" dirty="0"/>
-          </a:p>
-          <a:p>
-            <a:r>
-              <a:rPr lang="en-GB" dirty="0"/>
-              <a:t>IETF has done a relevant effort defining device models to manage the network element capabilities.</a:t>
+              <a:t>IETF has done a relevant effort to define device models to manage the network element capabilities.</a:t>
             </a:r>
           </a:p>
           <a:p>
@@ -3717,7 +3709,7 @@
           <a:p>
             <a:r>
               <a:rPr lang="en-GB" dirty="0"/>
-              <a:t>There are scenarios were it would be useful to reuse the device models in the NBI of SDN controllers to enable the usage of IETF device models.</a:t>
+              <a:t>There are scenarios where it would be useful to reuse the device models in the NBI of SDN controllers to enable the usage of IETF device models.</a:t>
             </a:r>
           </a:p>
           <a:p>
@@ -3977,7 +3969,7 @@
             </a:r>
             <a:r>
               <a:rPr lang="en-GB" dirty="0"/>
-              <a:t>Device models can be used for configuration creation. These profiles can be applied in one or several network elements in the network afterwards.</a:t>
+              <a:t>Device models can be used for configuration creation. These profiles can be applied to one or several network elements in the network afterward.</a:t>
             </a:r>
           </a:p>
           <a:p>
